--- a/presentation/Webprojekt.pptx
+++ b/presentation/Webprojekt.pptx
@@ -5162,8 +5162,8 @@
     <dgm:cxn modelId="{B8DE622B-7E46-45E0-AE8A-268A4118963A}" srcId="{768B5362-00DD-486C-8C51-2C6316A43027}" destId="{C92AADA2-8203-4D30-B05D-F92AE480D297}" srcOrd="1" destOrd="0" parTransId="{48CB7E22-52EA-445E-9D9E-68CE288D5C10}" sibTransId="{30B63C5D-22E0-40EC-80B0-2E5E715F7DAE}"/>
     <dgm:cxn modelId="{244A7A30-5C33-46C5-B00F-4776AB40EA08}" type="presOf" srcId="{E05C4566-5BEE-4DE6-997F-BB2984ADF00F}" destId="{F94AAEFF-2BC8-455D-B493-3733DB21A21E}" srcOrd="0" destOrd="0" presId="urn:microsoft.com/office/officeart/2005/8/layout/bProcess4"/>
     <dgm:cxn modelId="{754A1635-EB2F-4E2E-9BAC-F909D455D18A}" srcId="{768B5362-00DD-486C-8C51-2C6316A43027}" destId="{E05C4566-5BEE-4DE6-997F-BB2984ADF00F}" srcOrd="6" destOrd="0" parTransId="{235FF424-8E23-43AD-A0CF-057E26E05E91}" sibTransId="{4C5B0A92-4107-47B3-AA76-C2EF80502CB9}"/>
+    <dgm:cxn modelId="{081E0563-D7B6-452E-8DB1-9F6866143ABB}" type="presOf" srcId="{30B63C5D-22E0-40EC-80B0-2E5E715F7DAE}" destId="{6E918DBB-C7DE-4395-8BA8-258884C0186E}" srcOrd="0" destOrd="0" presId="urn:microsoft.com/office/officeart/2005/8/layout/bProcess4"/>
     <dgm:cxn modelId="{3D42034F-9F5E-444F-BF65-E79DCE75026C}" type="presOf" srcId="{C92AADA2-8203-4D30-B05D-F92AE480D297}" destId="{F106C495-1E28-4832-AD66-30CA30285EB0}" srcOrd="0" destOrd="0" presId="urn:microsoft.com/office/officeart/2005/8/layout/bProcess4"/>
-    <dgm:cxn modelId="{081E0563-D7B6-452E-8DB1-9F6866143ABB}" type="presOf" srcId="{30B63C5D-22E0-40EC-80B0-2E5E715F7DAE}" destId="{6E918DBB-C7DE-4395-8BA8-258884C0186E}" srcOrd="0" destOrd="0" presId="urn:microsoft.com/office/officeart/2005/8/layout/bProcess4"/>
     <dgm:cxn modelId="{4805DD83-8864-42FC-8967-A5D2E8FE18A0}" type="presOf" srcId="{768B5362-00DD-486C-8C51-2C6316A43027}" destId="{DAC0DA18-F28D-488C-9B41-1E54042655F8}" srcOrd="0" destOrd="0" presId="urn:microsoft.com/office/officeart/2005/8/layout/bProcess4"/>
     <dgm:cxn modelId="{17E5FC8A-9463-42E8-A68A-65F243EC096D}" type="presOf" srcId="{4C5B0A92-4107-47B3-AA76-C2EF80502CB9}" destId="{F8C9E819-6743-470C-AD18-2FF819DBABEB}" srcOrd="0" destOrd="0" presId="urn:microsoft.com/office/officeart/2005/8/layout/bProcess4"/>
     <dgm:cxn modelId="{B48F4792-709C-4FB1-9DD7-F4317570B9F4}" srcId="{768B5362-00DD-486C-8C51-2C6316A43027}" destId="{D20195E5-0667-40ED-BF27-C38BDAF15698}" srcOrd="0" destOrd="0" parTransId="{BC724352-7951-48B6-A81C-02AE34F6F34D}" sibTransId="{C259F1F5-EC66-4E98-82B0-A6B190176616}"/>
@@ -15138,7 +15138,7 @@
           <a:p>
             <a:fld id="{7F00B5C8-1471-4A31-92F7-CE036F53B4FE}" type="datetimeFigureOut">
               <a:rPr lang="de-DE" smtClean="0"/>
-              <a:t>30.10.19</a:t>
+              <a:t>30.10.2019</a:t>
             </a:fld>
             <a:endParaRPr lang="de-DE"/>
           </a:p>
@@ -15405,6 +15405,477 @@
 </p:notesMaster>
 </file>
 
+<file path=ppt/notesSlides/notesSlide1.xml><?xml version="1.0" encoding="utf-8"?>
+<p:notes xmlns:a="http://schemas.openxmlformats.org/drawingml/2006/main" xmlns:r="http://schemas.openxmlformats.org/officeDocument/2006/relationships" xmlns:p="http://schemas.openxmlformats.org/presentationml/2006/main">
+  <p:cSld>
+    <p:spTree>
+      <p:nvGrpSpPr>
+        <p:cNvPr id="1" name=""/>
+        <p:cNvGrpSpPr/>
+        <p:nvPr/>
+      </p:nvGrpSpPr>
+      <p:grpSpPr>
+        <a:xfrm>
+          <a:off x="0" y="0"/>
+          <a:ext cx="0" cy="0"/>
+          <a:chOff x="0" y="0"/>
+          <a:chExt cx="0" cy="0"/>
+        </a:xfrm>
+      </p:grpSpPr>
+      <p:sp>
+        <p:nvSpPr>
+          <p:cNvPr id="2" name="Folienbildplatzhalter 1"/>
+          <p:cNvSpPr>
+            <a:spLocks noGrp="1" noRot="1" noChangeAspect="1"/>
+          </p:cNvSpPr>
+          <p:nvPr>
+            <p:ph type="sldImg"/>
+          </p:nvPr>
+        </p:nvSpPr>
+        <p:spPr/>
+      </p:sp>
+      <p:sp>
+        <p:nvSpPr>
+          <p:cNvPr id="3" name="Notizenplatzhalter 2"/>
+          <p:cNvSpPr>
+            <a:spLocks noGrp="1"/>
+          </p:cNvSpPr>
+          <p:nvPr>
+            <p:ph type="body" idx="1"/>
+          </p:nvPr>
+        </p:nvSpPr>
+        <p:spPr/>
+        <p:txBody>
+          <a:bodyPr/>
+          <a:lstStyle/>
+          <a:p>
+            <a:r>
+              <a:rPr lang="en-GB" sz="1200" kern="1200" dirty="0">
+                <a:solidFill>
+                  <a:schemeClr val="tx1"/>
+                </a:solidFill>
+                <a:effectLst/>
+                <a:latin typeface="+mn-lt"/>
+                <a:ea typeface="+mn-ea"/>
+                <a:cs typeface="+mn-cs"/>
+              </a:rPr>
+              <a:t>A)</a:t>
+            </a:r>
+          </a:p>
+          <a:p>
+            <a:r>
+              <a:rPr lang="en-GB" sz="1200" kern="1200" dirty="0">
+                <a:solidFill>
+                  <a:schemeClr val="tx1"/>
+                </a:solidFill>
+                <a:effectLst/>
+                <a:latin typeface="+mn-lt"/>
+                <a:ea typeface="+mn-ea"/>
+                <a:cs typeface="+mn-cs"/>
+              </a:rPr>
+              <a:t> </a:t>
+            </a:r>
+          </a:p>
+          <a:p>
+            <a:r>
+              <a:rPr lang="en-GB" sz="1200" kern="1200" dirty="0" err="1">
+                <a:solidFill>
+                  <a:schemeClr val="tx1"/>
+                </a:solidFill>
+                <a:effectLst/>
+                <a:latin typeface="+mn-lt"/>
+                <a:ea typeface="+mn-ea"/>
+                <a:cs typeface="+mn-cs"/>
+              </a:rPr>
+              <a:t>Erste</a:t>
+            </a:r>
+            <a:r>
+              <a:rPr lang="en-GB" sz="1200" kern="1200" dirty="0">
+                <a:solidFill>
+                  <a:schemeClr val="tx1"/>
+                </a:solidFill>
+                <a:effectLst/>
+                <a:latin typeface="+mn-lt"/>
+                <a:ea typeface="+mn-ea"/>
+                <a:cs typeface="+mn-cs"/>
+              </a:rPr>
+              <a:t> </a:t>
+            </a:r>
+            <a:r>
+              <a:rPr lang="en-GB" sz="1200" kern="1200" dirty="0" err="1">
+                <a:solidFill>
+                  <a:schemeClr val="tx1"/>
+                </a:solidFill>
+                <a:effectLst/>
+                <a:latin typeface="+mn-lt"/>
+                <a:ea typeface="+mn-ea"/>
+                <a:cs typeface="+mn-cs"/>
+              </a:rPr>
+              <a:t>Geschwindigkeitstests</a:t>
+            </a:r>
+            <a:endParaRPr lang="en-GB" sz="1200" kern="1200" dirty="0">
+              <a:solidFill>
+                <a:schemeClr val="tx1"/>
+              </a:solidFill>
+              <a:effectLst/>
+              <a:latin typeface="+mn-lt"/>
+              <a:ea typeface="+mn-ea"/>
+              <a:cs typeface="+mn-cs"/>
+            </a:endParaRPr>
+          </a:p>
+          <a:p>
+            <a:r>
+              <a:rPr lang="en-GB" sz="1200" kern="1200" dirty="0">
+                <a:solidFill>
+                  <a:schemeClr val="tx1"/>
+                </a:solidFill>
+                <a:effectLst/>
+                <a:latin typeface="+mn-lt"/>
+                <a:ea typeface="+mn-ea"/>
+                <a:cs typeface="+mn-cs"/>
+              </a:rPr>
+              <a:t> </a:t>
+            </a:r>
+          </a:p>
+          <a:p>
+            <a:r>
+              <a:rPr lang="en-GB" sz="1200" kern="1200" dirty="0" err="1">
+                <a:solidFill>
+                  <a:schemeClr val="tx1"/>
+                </a:solidFill>
+                <a:effectLst/>
+                <a:latin typeface="+mn-lt"/>
+                <a:ea typeface="+mn-ea"/>
+                <a:cs typeface="+mn-cs"/>
+              </a:rPr>
+              <a:t>Metadaten</a:t>
+            </a:r>
+            <a:r>
+              <a:rPr lang="en-GB" sz="1200" kern="1200" dirty="0">
+                <a:solidFill>
+                  <a:schemeClr val="tx1"/>
+                </a:solidFill>
+                <a:effectLst/>
+                <a:latin typeface="+mn-lt"/>
+                <a:ea typeface="+mn-ea"/>
+                <a:cs typeface="+mn-cs"/>
+              </a:rPr>
+              <a:t> </a:t>
+            </a:r>
+            <a:r>
+              <a:rPr lang="en-GB" sz="1200" kern="1200" dirty="0" err="1">
+                <a:solidFill>
+                  <a:schemeClr val="tx1"/>
+                </a:solidFill>
+                <a:effectLst/>
+                <a:latin typeface="+mn-lt"/>
+                <a:ea typeface="+mn-ea"/>
+                <a:cs typeface="+mn-cs"/>
+              </a:rPr>
+              <a:t>eingefügt</a:t>
+            </a:r>
+            <a:endParaRPr lang="en-GB" sz="1200" kern="1200" dirty="0">
+              <a:solidFill>
+                <a:schemeClr val="tx1"/>
+              </a:solidFill>
+              <a:effectLst/>
+              <a:latin typeface="+mn-lt"/>
+              <a:ea typeface="+mn-ea"/>
+              <a:cs typeface="+mn-cs"/>
+            </a:endParaRPr>
+          </a:p>
+          <a:p>
+            <a:r>
+              <a:rPr lang="en-GB" sz="1200" kern="1200" dirty="0">
+                <a:solidFill>
+                  <a:schemeClr val="tx1"/>
+                </a:solidFill>
+                <a:effectLst/>
+                <a:latin typeface="+mn-lt"/>
+                <a:ea typeface="+mn-ea"/>
+                <a:cs typeface="+mn-cs"/>
+              </a:rPr>
+              <a:t> </a:t>
+            </a:r>
+          </a:p>
+          <a:p>
+            <a:r>
+              <a:rPr lang="en-GB" sz="1200" kern="1200" dirty="0" err="1">
+                <a:solidFill>
+                  <a:schemeClr val="tx1"/>
+                </a:solidFill>
+                <a:effectLst/>
+                <a:latin typeface="+mn-lt"/>
+                <a:ea typeface="+mn-ea"/>
+                <a:cs typeface="+mn-cs"/>
+              </a:rPr>
+              <a:t>Besprechung</a:t>
+            </a:r>
+            <a:r>
+              <a:rPr lang="en-GB" sz="1200" kern="1200" dirty="0">
+                <a:solidFill>
+                  <a:schemeClr val="tx1"/>
+                </a:solidFill>
+                <a:effectLst/>
+                <a:latin typeface="+mn-lt"/>
+                <a:ea typeface="+mn-ea"/>
+                <a:cs typeface="+mn-cs"/>
+              </a:rPr>
+              <a:t> </a:t>
+            </a:r>
+            <a:r>
+              <a:rPr lang="en-GB" sz="1200" kern="1200" dirty="0" err="1">
+                <a:solidFill>
+                  <a:schemeClr val="tx1"/>
+                </a:solidFill>
+                <a:effectLst/>
+                <a:latin typeface="+mn-lt"/>
+                <a:ea typeface="+mn-ea"/>
+                <a:cs typeface="+mn-cs"/>
+              </a:rPr>
+              <a:t>aktueller</a:t>
+            </a:r>
+            <a:r>
+              <a:rPr lang="en-GB" sz="1200" kern="1200" dirty="0">
+                <a:solidFill>
+                  <a:schemeClr val="tx1"/>
+                </a:solidFill>
+                <a:effectLst/>
+                <a:latin typeface="+mn-lt"/>
+                <a:ea typeface="+mn-ea"/>
+                <a:cs typeface="+mn-cs"/>
+              </a:rPr>
+              <a:t> </a:t>
+            </a:r>
+            <a:r>
+              <a:rPr lang="en-GB" sz="1200" kern="1200" dirty="0" err="1">
+                <a:solidFill>
+                  <a:schemeClr val="tx1"/>
+                </a:solidFill>
+                <a:effectLst/>
+                <a:latin typeface="+mn-lt"/>
+                <a:ea typeface="+mn-ea"/>
+                <a:cs typeface="+mn-cs"/>
+              </a:rPr>
+              <a:t>Sitestructur</a:t>
+            </a:r>
+            <a:endParaRPr lang="en-GB" sz="1200" kern="1200" dirty="0">
+              <a:solidFill>
+                <a:schemeClr val="tx1"/>
+              </a:solidFill>
+              <a:effectLst/>
+              <a:latin typeface="+mn-lt"/>
+              <a:ea typeface="+mn-ea"/>
+              <a:cs typeface="+mn-cs"/>
+            </a:endParaRPr>
+          </a:p>
+          <a:p>
+            <a:r>
+              <a:rPr lang="en-GB" sz="1200" kern="1200" dirty="0">
+                <a:solidFill>
+                  <a:schemeClr val="tx1"/>
+                </a:solidFill>
+                <a:effectLst/>
+                <a:latin typeface="+mn-lt"/>
+                <a:ea typeface="+mn-ea"/>
+                <a:cs typeface="+mn-cs"/>
+              </a:rPr>
+              <a:t> </a:t>
+            </a:r>
+          </a:p>
+          <a:p>
+            <a:r>
+              <a:rPr lang="en-GB" sz="1200" kern="1200">
+                <a:solidFill>
+                  <a:schemeClr val="tx1"/>
+                </a:solidFill>
+                <a:effectLst/>
+                <a:latin typeface="+mn-lt"/>
+                <a:ea typeface="+mn-ea"/>
+                <a:cs typeface="+mn-cs"/>
+              </a:rPr>
+              <a:t>Begin </a:t>
+            </a:r>
+            <a:r>
+              <a:rPr lang="en-GB" sz="1200" kern="1200" dirty="0">
+                <a:solidFill>
+                  <a:schemeClr val="tx1"/>
+                </a:solidFill>
+                <a:effectLst/>
+                <a:latin typeface="+mn-lt"/>
+                <a:ea typeface="+mn-ea"/>
+                <a:cs typeface="+mn-cs"/>
+              </a:rPr>
+              <a:t>des </a:t>
+            </a:r>
+            <a:r>
+              <a:rPr lang="en-GB" sz="1200" kern="1200" dirty="0" err="1">
+                <a:solidFill>
+                  <a:schemeClr val="tx1"/>
+                </a:solidFill>
+                <a:effectLst/>
+                <a:latin typeface="+mn-lt"/>
+                <a:ea typeface="+mn-ea"/>
+                <a:cs typeface="+mn-cs"/>
+              </a:rPr>
+              <a:t>Zusammenbauens</a:t>
+            </a:r>
+            <a:r>
+              <a:rPr lang="en-GB" sz="1200" kern="1200" dirty="0">
+                <a:solidFill>
+                  <a:schemeClr val="tx1"/>
+                </a:solidFill>
+                <a:effectLst/>
+                <a:latin typeface="+mn-lt"/>
+                <a:ea typeface="+mn-ea"/>
+                <a:cs typeface="+mn-cs"/>
+              </a:rPr>
+              <a:t> der Website</a:t>
+            </a:r>
+          </a:p>
+          <a:p>
+            <a:r>
+              <a:rPr lang="en-GB" sz="1200" kern="1200" dirty="0">
+                <a:solidFill>
+                  <a:schemeClr val="tx1"/>
+                </a:solidFill>
+                <a:effectLst/>
+                <a:latin typeface="+mn-lt"/>
+                <a:ea typeface="+mn-ea"/>
+                <a:cs typeface="+mn-cs"/>
+              </a:rPr>
+              <a:t> </a:t>
+            </a:r>
+          </a:p>
+          <a:p>
+            <a:r>
+              <a:rPr lang="en-GB" sz="1200" kern="1200" dirty="0">
+                <a:solidFill>
+                  <a:schemeClr val="tx1"/>
+                </a:solidFill>
+                <a:effectLst/>
+                <a:latin typeface="+mn-lt"/>
+                <a:ea typeface="+mn-ea"/>
+                <a:cs typeface="+mn-cs"/>
+              </a:rPr>
+              <a:t>B)</a:t>
+            </a:r>
+          </a:p>
+          <a:p>
+            <a:r>
+              <a:rPr lang="en-GB" sz="1200" kern="1200" dirty="0">
+                <a:solidFill>
+                  <a:schemeClr val="tx1"/>
+                </a:solidFill>
+                <a:effectLst/>
+                <a:latin typeface="+mn-lt"/>
+                <a:ea typeface="+mn-ea"/>
+                <a:cs typeface="+mn-cs"/>
+              </a:rPr>
+              <a:t> </a:t>
+            </a:r>
+          </a:p>
+          <a:p>
+            <a:r>
+              <a:rPr lang="en-GB" sz="1200" kern="1200" dirty="0" err="1">
+                <a:solidFill>
+                  <a:schemeClr val="tx1"/>
+                </a:solidFill>
+                <a:effectLst/>
+                <a:latin typeface="+mn-lt"/>
+                <a:ea typeface="+mn-ea"/>
+                <a:cs typeface="+mn-cs"/>
+              </a:rPr>
+              <a:t>Powerpoint</a:t>
+            </a:r>
+            <a:endParaRPr lang="en-GB" sz="1200" kern="1200" dirty="0">
+              <a:solidFill>
+                <a:schemeClr val="tx1"/>
+              </a:solidFill>
+              <a:effectLst/>
+              <a:latin typeface="+mn-lt"/>
+              <a:ea typeface="+mn-ea"/>
+              <a:cs typeface="+mn-cs"/>
+            </a:endParaRPr>
+          </a:p>
+          <a:p>
+            <a:r>
+              <a:rPr lang="en-GB" sz="1200" kern="1200" dirty="0">
+                <a:solidFill>
+                  <a:schemeClr val="tx1"/>
+                </a:solidFill>
+                <a:effectLst/>
+                <a:latin typeface="+mn-lt"/>
+                <a:ea typeface="+mn-ea"/>
+                <a:cs typeface="+mn-cs"/>
+              </a:rPr>
+              <a:t> </a:t>
+            </a:r>
+          </a:p>
+          <a:p>
+            <a:r>
+              <a:rPr lang="en-GB" sz="1200" kern="1200" dirty="0" err="1">
+                <a:solidFill>
+                  <a:schemeClr val="tx1"/>
+                </a:solidFill>
+                <a:effectLst/>
+                <a:latin typeface="+mn-lt"/>
+                <a:ea typeface="+mn-ea"/>
+                <a:cs typeface="+mn-cs"/>
+              </a:rPr>
+              <a:t>Projektplan</a:t>
+            </a:r>
+            <a:endParaRPr lang="en-GB" sz="1200" kern="1200" dirty="0">
+              <a:solidFill>
+                <a:schemeClr val="tx1"/>
+              </a:solidFill>
+              <a:effectLst/>
+              <a:latin typeface="+mn-lt"/>
+              <a:ea typeface="+mn-ea"/>
+              <a:cs typeface="+mn-cs"/>
+            </a:endParaRPr>
+          </a:p>
+          <a:p>
+            <a:endParaRPr lang="de-DE" dirty="0"/>
+          </a:p>
+        </p:txBody>
+      </p:sp>
+      <p:sp>
+        <p:nvSpPr>
+          <p:cNvPr id="4" name="Foliennummernplatzhalter 3"/>
+          <p:cNvSpPr>
+            <a:spLocks noGrp="1"/>
+          </p:cNvSpPr>
+          <p:nvPr>
+            <p:ph type="sldNum" sz="quarter" idx="5"/>
+          </p:nvPr>
+        </p:nvSpPr>
+        <p:spPr/>
+        <p:txBody>
+          <a:bodyPr/>
+          <a:lstStyle/>
+          <a:p>
+            <a:fld id="{880058C8-6524-4D9F-BE18-5549BB6A744E}" type="slidenum">
+              <a:rPr lang="de-DE" smtClean="0"/>
+              <a:t>10</a:t>
+            </a:fld>
+            <a:endParaRPr lang="de-DE"/>
+          </a:p>
+        </p:txBody>
+      </p:sp>
+    </p:spTree>
+    <p:extLst>
+      <p:ext uri="{BB962C8B-B14F-4D97-AF65-F5344CB8AC3E}">
+        <p14:creationId xmlns:p14="http://schemas.microsoft.com/office/powerpoint/2010/main" val="1653651466"/>
+      </p:ext>
+    </p:extLst>
+  </p:cSld>
+  <p:clrMapOvr>
+    <a:masterClrMapping/>
+  </p:clrMapOvr>
+</p:notes>
+</file>
+
 <file path=ppt/slideLayouts/slideLayout1.xml><?xml version="1.0" encoding="utf-8"?>
 <p:sldLayout xmlns:a="http://schemas.openxmlformats.org/drawingml/2006/main" xmlns:r="http://schemas.openxmlformats.org/officeDocument/2006/relationships" xmlns:p="http://schemas.openxmlformats.org/presentationml/2006/main" showMasterSp="0" type="title" preserve="1">
   <p:cSld name="Titelfolie">
@@ -15631,7 +16102,7 @@
           <a:p>
             <a:fld id="{6C0D4876-4E36-4897-80B1-3A893DC50B46}" type="datetime1">
               <a:rPr lang="de-DE" smtClean="0"/>
-              <a:t>30.10.19</a:t>
+              <a:t>30.10.2019</a:t>
             </a:fld>
             <a:endParaRPr lang="de-DE"/>
           </a:p>
@@ -15842,7 +16313,7 @@
           <a:p>
             <a:fld id="{F51B351F-CB03-4BFB-9FCC-2F240325BE32}" type="datetime1">
               <a:rPr lang="de-DE" smtClean="0"/>
-              <a:t>30.10.19</a:t>
+              <a:t>30.10.2019</a:t>
             </a:fld>
             <a:endParaRPr lang="de-DE"/>
           </a:p>
@@ -16101,7 +16572,7 @@
           <a:p>
             <a:fld id="{E2E0F608-6C0C-48AF-AD99-4D7269AA99D1}" type="datetime1">
               <a:rPr lang="de-DE" smtClean="0"/>
-              <a:t>30.10.19</a:t>
+              <a:t>30.10.2019</a:t>
             </a:fld>
             <a:endParaRPr lang="de-DE"/>
           </a:p>
@@ -16278,7 +16749,7 @@
           <a:p>
             <a:fld id="{86324465-FD06-4BBE-B9ED-B78B1664A6AA}" type="datetime1">
               <a:rPr lang="de-DE" smtClean="0"/>
-              <a:t>30.10.19</a:t>
+              <a:t>30.10.2019</a:t>
             </a:fld>
             <a:endParaRPr lang="de-DE"/>
           </a:p>
@@ -16624,7 +17095,7 @@
           <a:p>
             <a:fld id="{A29D309F-383C-4FFF-8FB7-14A5B7A94368}" type="datetime1">
               <a:rPr lang="de-DE" smtClean="0"/>
-              <a:t>30.10.19</a:t>
+              <a:t>30.10.2019</a:t>
             </a:fld>
             <a:endParaRPr lang="de-DE"/>
           </a:p>
@@ -16902,7 +17373,7 @@
           <a:p>
             <a:fld id="{F9BF020C-DE19-4BEA-A99D-37EB6A11F470}" type="datetime1">
               <a:rPr lang="de-DE" smtClean="0"/>
-              <a:t>30.10.19</a:t>
+              <a:t>30.10.2019</a:t>
             </a:fld>
             <a:endParaRPr lang="de-DE"/>
           </a:p>
@@ -17284,7 +17755,7 @@
           <a:p>
             <a:fld id="{9C8542F1-59EE-4DDE-84AC-D307A8EC27C8}" type="datetime1">
               <a:rPr lang="de-DE" smtClean="0"/>
-              <a:t>30.10.19</a:t>
+              <a:t>30.10.2019</a:t>
             </a:fld>
             <a:endParaRPr lang="de-DE"/>
           </a:p>
@@ -17405,7 +17876,7 @@
           <a:p>
             <a:fld id="{765C385D-51D3-43CC-B0A3-2264CFF66955}" type="datetime1">
               <a:rPr lang="de-DE" smtClean="0"/>
-              <a:t>30.10.19</a:t>
+              <a:t>30.10.2019</a:t>
             </a:fld>
             <a:endParaRPr lang="de-DE"/>
           </a:p>
@@ -17579,7 +18050,7 @@
           <a:p>
             <a:fld id="{919534AB-86D7-47C5-B524-66149BEAA428}" type="datetime1">
               <a:rPr lang="de-DE" smtClean="0"/>
-              <a:t>30.10.19</a:t>
+              <a:t>30.10.2019</a:t>
             </a:fld>
             <a:endParaRPr lang="de-DE"/>
           </a:p>
@@ -17936,7 +18407,7 @@
           <a:p>
             <a:fld id="{6085F6A3-5971-413D-8089-A350AD956BD7}" type="datetime1">
               <a:rPr lang="de-DE" smtClean="0"/>
-              <a:t>30.10.19</a:t>
+              <a:t>30.10.2019</a:t>
             </a:fld>
             <a:endParaRPr lang="de-DE"/>
           </a:p>
@@ -18321,7 +18792,7 @@
           <a:p>
             <a:fld id="{1E17EE92-0AB6-4E35-A33A-0B9152DD2E78}" type="datetime1">
               <a:rPr lang="de-DE" smtClean="0"/>
-              <a:t>30.10.19</a:t>
+              <a:t>30.10.2019</a:t>
             </a:fld>
             <a:endParaRPr lang="de-DE"/>
           </a:p>
@@ -18611,7 +19082,7 @@
           <a:p>
             <a:fld id="{53E63310-E22A-4FE7-BCD0-F211EEB3AD26}" type="datetime1">
               <a:rPr lang="de-DE" smtClean="0"/>
-              <a:t>30.10.19</a:t>
+              <a:t>30.10.2019</a:t>
             </a:fld>
             <a:endParaRPr lang="de-DE"/>
           </a:p>
@@ -19504,7 +19975,7 @@
                   <a:spcPts val="600"/>
                 </a:spcAft>
               </a:pPr>
-              <a:t>30.10.19</a:t>
+              <a:t>30.10.2019</a:t>
             </a:fld>
             <a:endParaRPr lang="de-DE" sz="900">
               <a:solidFill>
@@ -20082,7 +20553,7 @@
           <a:p>
             <a:fld id="{8918D726-2C37-464C-8F12-89B4BA1C8435}" type="datetime1">
               <a:rPr lang="de-DE" smtClean="0"/>
-              <a:t>30.10.19</a:t>
+              <a:t>30.10.2019</a:t>
             </a:fld>
             <a:endParaRPr lang="de-DE"/>
           </a:p>
@@ -20512,7 +20983,7 @@
           <a:p>
             <a:fld id="{8550F29E-B388-4948-81A4-AAA9FF51ABB4}" type="datetime1">
               <a:rPr lang="de-DE" smtClean="0"/>
-              <a:t>30.10.19</a:t>
+              <a:t>30.10.2019</a:t>
             </a:fld>
             <a:endParaRPr lang="de-DE"/>
           </a:p>
@@ -21132,7 +21603,7 @@
                   <a:spcPts val="600"/>
                 </a:spcAft>
               </a:pPr>
-              <a:t>10/30/19</a:t>
+              <a:t>10/30/2019</a:t>
             </a:fld>
             <a:endParaRPr lang="en-US" sz="900" kern="1200">
               <a:solidFill>
@@ -21712,7 +22183,7 @@
                   <a:spcPts val="600"/>
                 </a:spcAft>
               </a:pPr>
-              <a:t>10/30/19</a:t>
+              <a:t>10/30/2019</a:t>
             </a:fld>
             <a:endParaRPr lang="en-US" sz="900" kern="1200">
               <a:solidFill>
@@ -21916,7 +22387,7 @@
           <a:p>
             <a:fld id="{43CA65EF-DE3D-4BCD-A0D9-2B4E33346B3A}" type="datetime1">
               <a:rPr lang="de-DE" smtClean="0"/>
-              <a:t>30.10.19</a:t>
+              <a:t>30.10.2019</a:t>
             </a:fld>
             <a:endParaRPr lang="de-DE"/>
           </a:p>
@@ -22118,7 +22589,7 @@
           <a:p>
             <a:fld id="{43CA65EF-DE3D-4BCD-A0D9-2B4E33346B3A}" type="datetime1">
               <a:rPr lang="de-DE" smtClean="0"/>
-              <a:t>30.10.19</a:t>
+              <a:t>30.10.2019</a:t>
             </a:fld>
             <a:endParaRPr lang="de-DE"/>
           </a:p>
@@ -22312,7 +22783,7 @@
           <a:p>
             <a:fld id="{43CA65EF-DE3D-4BCD-A0D9-2B4E33346B3A}" type="datetime1">
               <a:rPr lang="de-DE" smtClean="0"/>
-              <a:t>30.10.19</a:t>
+              <a:t>30.10.2019</a:t>
             </a:fld>
             <a:endParaRPr lang="de-DE"/>
           </a:p>
@@ -22496,7 +22967,7 @@
           <a:p>
             <a:fld id="{60166765-060C-4903-AC51-66523792CC9A}" type="datetime1">
               <a:rPr lang="de-DE" smtClean="0"/>
-              <a:t>30.10.19</a:t>
+              <a:t>30.10.2019</a:t>
             </a:fld>
             <a:endParaRPr lang="de-DE"/>
           </a:p>
@@ -22690,7 +23161,7 @@
           <a:p>
             <a:fld id="{43CA65EF-DE3D-4BCD-A0D9-2B4E33346B3A}" type="datetime1">
               <a:rPr lang="de-DE" smtClean="0"/>
-              <a:t>30.10.19</a:t>
+              <a:t>30.10.2019</a:t>
             </a:fld>
             <a:endParaRPr lang="de-DE"/>
           </a:p>
@@ -23230,7 +23701,7 @@
           <a:p>
             <a:fld id="{820323CB-67FC-45C9-B725-C474F7A4E134}" type="datetime1">
               <a:rPr lang="de-DE" smtClean="0"/>
-              <a:t>30.10.19</a:t>
+              <a:t>30.10.2019</a:t>
             </a:fld>
             <a:endParaRPr lang="de-DE"/>
           </a:p>
@@ -23757,7 +24228,7 @@
                   <a:spcPts val="600"/>
                 </a:spcAft>
               </a:pPr>
-              <a:t>30.10.19</a:t>
+              <a:t>30.10.2019</a:t>
             </a:fld>
             <a:endParaRPr lang="de-DE" sz="900"/>
           </a:p>
@@ -24219,7 +24690,7 @@
           <a:p>
             <a:fld id="{820323CB-67FC-45C9-B725-C474F7A4E134}" type="datetime1">
               <a:rPr lang="de-DE" smtClean="0"/>
-              <a:t>30.10.19</a:t>
+              <a:t>30.10.2019</a:t>
             </a:fld>
             <a:endParaRPr lang="de-DE"/>
           </a:p>
@@ -24736,7 +25207,7 @@
           <a:p>
             <a:fld id="{F9F14762-C116-48A0-BBF0-56854B4E845B}" type="datetime1">
               <a:rPr lang="de-DE" smtClean="0"/>
-              <a:t>30.10.19</a:t>
+              <a:t>30.10.2019</a:t>
             </a:fld>
             <a:endParaRPr lang="de-DE"/>
           </a:p>
